--- a/6620/slides/Introduction.pptx
+++ b/6620/slides/Introduction.pptx
@@ -21,7 +21,8 @@
     <p:sldId id="271" r:id="rId15"/>
     <p:sldId id="273" r:id="rId16"/>
     <p:sldId id="272" r:id="rId17"/>
-    <p:sldId id="258" r:id="rId18"/>
+    <p:sldId id="274" r:id="rId18"/>
+    <p:sldId id="275" r:id="rId19"/>
   </p:sldIdLst>
   <p:sldSz cx="12192000" cy="6858000"/>
   <p:notesSz cx="6858000" cy="9144000"/>
@@ -9375,10 +9376,38 @@
       </p:grpSpPr>
       <p:sp>
         <p:nvSpPr>
+          <p:cNvPr id="2" name="Title 1">
+            <a:extLst>
+              <a:ext uri="{FF2B5EF4-FFF2-40B4-BE49-F238E27FC236}">
+                <a16:creationId xmlns:a16="http://schemas.microsoft.com/office/drawing/2014/main" id="{D8FFED8C-9098-0E48-ACF9-BFD976414EBE}"/>
+              </a:ext>
+            </a:extLst>
+          </p:cNvPr>
+          <p:cNvSpPr>
+            <a:spLocks noGrp="1"/>
+          </p:cNvSpPr>
+          <p:nvPr>
+            <p:ph type="title"/>
+          </p:nvPr>
+        </p:nvSpPr>
+        <p:spPr/>
+        <p:txBody>
+          <a:bodyPr/>
+          <a:lstStyle/>
+          <a:p>
+            <a:r>
+              <a:rPr lang="en-US" dirty="0"/>
+              <a:t>Compilers in three parts</a:t>
+            </a:r>
+          </a:p>
+        </p:txBody>
+      </p:sp>
+      <p:sp>
+        <p:nvSpPr>
           <p:cNvPr id="3" name="Content Placeholder 2">
             <a:extLst>
               <a:ext uri="{FF2B5EF4-FFF2-40B4-BE49-F238E27FC236}">
-                <a16:creationId xmlns:a16="http://schemas.microsoft.com/office/drawing/2014/main" id="{7677191C-5D30-A144-80F6-19C565E93AAC}"/>
+                <a16:creationId xmlns:a16="http://schemas.microsoft.com/office/drawing/2014/main" id="{F3FED033-0A56-FC45-9D02-4669679844E5}"/>
               </a:ext>
             </a:extLst>
           </p:cNvPr>
@@ -9389,19 +9418,314 @@
             <p:ph idx="1"/>
           </p:nvPr>
         </p:nvSpPr>
-        <p:spPr/>
-        <p:txBody>
-          <a:bodyPr/>
-          <a:lstStyle/>
+        <p:spPr>
+          <a:xfrm>
+            <a:off x="838200" y="1690688"/>
+            <a:ext cx="10515600" cy="4645046"/>
+          </a:xfrm>
+        </p:spPr>
+        <p:txBody>
+          <a:bodyPr>
+            <a:normAutofit lnSpcReduction="10000"/>
+          </a:bodyPr>
+          <a:lstStyle/>
+          <a:p>
+            <a:r>
+              <a:rPr lang="en-US" dirty="0"/>
+              <a:t>Theory in a controlled environment</a:t>
+            </a:r>
+          </a:p>
+          <a:p>
+            <a:pPr lvl="1"/>
+            <a:r>
+              <a:rPr lang="en-US" dirty="0"/>
+              <a:t>TIP – Tiny Imperative Language</a:t>
+            </a:r>
+          </a:p>
+          <a:p>
+            <a:pPr lvl="1"/>
+            <a:r>
+              <a:rPr lang="en-US" dirty="0"/>
+              <a:t>Scala implementation of interpreter and analyses (with holdbacks)</a:t>
+            </a:r>
+          </a:p>
           <a:p>
             <a:endParaRPr lang="en-US" dirty="0"/>
+          </a:p>
+          <a:p>
+            <a:r>
+              <a:rPr lang="en-US" dirty="0"/>
+              <a:t>Practice in the wild</a:t>
+            </a:r>
+          </a:p>
+          <a:p>
+            <a:pPr lvl="1"/>
+            <a:r>
+              <a:rPr lang="en-US" dirty="0" err="1">
+                <a:latin typeface="Courier" pitchFamily="2" charset="0"/>
+              </a:rPr>
+              <a:t>tipcc</a:t>
+            </a:r>
+            <a:r>
+              <a:rPr lang="en-US" dirty="0">
+                <a:latin typeface="Courier" pitchFamily="2" charset="0"/>
+              </a:rPr>
+              <a:t> </a:t>
+            </a:r>
+            <a:r>
+              <a:rPr lang="en-US" dirty="0"/>
+              <a:t>a compiler from (a subset of) TIP to LLVM </a:t>
+            </a:r>
+            <a:r>
+              <a:rPr lang="en-US" dirty="0" err="1"/>
+              <a:t>bitcode</a:t>
+            </a:r>
+            <a:endParaRPr lang="en-US" dirty="0"/>
+          </a:p>
+          <a:p>
+            <a:pPr lvl="1"/>
+            <a:r>
+              <a:rPr lang="en-US" dirty="0"/>
+              <a:t>Yours to extend in a class project</a:t>
+            </a:r>
+          </a:p>
+          <a:p>
+            <a:endParaRPr lang="en-US" dirty="0"/>
+          </a:p>
+          <a:p>
+            <a:r>
+              <a:rPr lang="en-US" dirty="0"/>
+              <a:t>Papers and prompts to drive your exploration and learning</a:t>
+            </a:r>
+          </a:p>
+          <a:p>
+            <a:pPr lvl="1"/>
+            <a:r>
+              <a:rPr lang="en-US" dirty="0"/>
+              <a:t>Research papers on optimization/testing of LLVM</a:t>
+            </a:r>
+          </a:p>
+          <a:p>
+            <a:pPr lvl="1"/>
+            <a:r>
+              <a:rPr lang="en-US" dirty="0"/>
+              <a:t>Analysis passes in LLVM</a:t>
+            </a:r>
           </a:p>
         </p:txBody>
       </p:sp>
     </p:spTree>
     <p:extLst>
       <p:ext uri="{BB962C8B-B14F-4D97-AF65-F5344CB8AC3E}">
-        <p14:creationId xmlns:p14="http://schemas.microsoft.com/office/powerpoint/2010/main" val="3200652029"/>
+        <p14:creationId xmlns:p14="http://schemas.microsoft.com/office/powerpoint/2010/main" val="1100566622"/>
+      </p:ext>
+    </p:extLst>
+  </p:cSld>
+  <p:clrMapOvr>
+    <a:masterClrMapping/>
+  </p:clrMapOvr>
+</p:sld>
+</file>
+
+<file path=ppt/slides/slide18.xml><?xml version="1.0" encoding="utf-8"?>
+<p:sld xmlns:a="http://schemas.openxmlformats.org/drawingml/2006/main" xmlns:r="http://schemas.openxmlformats.org/officeDocument/2006/relationships" xmlns:p="http://schemas.openxmlformats.org/presentationml/2006/main">
+  <p:cSld>
+    <p:spTree>
+      <p:nvGrpSpPr>
+        <p:cNvPr id="1" name=""/>
+        <p:cNvGrpSpPr/>
+        <p:nvPr/>
+      </p:nvGrpSpPr>
+      <p:grpSpPr>
+        <a:xfrm>
+          <a:off x="0" y="0"/>
+          <a:ext cx="0" cy="0"/>
+          <a:chOff x="0" y="0"/>
+          <a:chExt cx="0" cy="0"/>
+        </a:xfrm>
+      </p:grpSpPr>
+      <p:sp>
+        <p:nvSpPr>
+          <p:cNvPr id="2" name="Title 1">
+            <a:extLst>
+              <a:ext uri="{FF2B5EF4-FFF2-40B4-BE49-F238E27FC236}">
+                <a16:creationId xmlns:a16="http://schemas.microsoft.com/office/drawing/2014/main" id="{D8FFED8C-9098-0E48-ACF9-BFD976414EBE}"/>
+              </a:ext>
+            </a:extLst>
+          </p:cNvPr>
+          <p:cNvSpPr>
+            <a:spLocks noGrp="1"/>
+          </p:cNvSpPr>
+          <p:nvPr>
+            <p:ph type="title"/>
+          </p:nvPr>
+        </p:nvSpPr>
+        <p:spPr/>
+        <p:txBody>
+          <a:bodyPr/>
+          <a:lstStyle/>
+          <a:p>
+            <a:r>
+              <a:rPr lang="en-US" dirty="0"/>
+              <a:t>A degree of independence will be required</a:t>
+            </a:r>
+          </a:p>
+        </p:txBody>
+      </p:sp>
+      <p:sp>
+        <p:nvSpPr>
+          <p:cNvPr id="3" name="Content Placeholder 2">
+            <a:extLst>
+              <a:ext uri="{FF2B5EF4-FFF2-40B4-BE49-F238E27FC236}">
+                <a16:creationId xmlns:a16="http://schemas.microsoft.com/office/drawing/2014/main" id="{F3FED033-0A56-FC45-9D02-4669679844E5}"/>
+              </a:ext>
+            </a:extLst>
+          </p:cNvPr>
+          <p:cNvSpPr>
+            <a:spLocks noGrp="1"/>
+          </p:cNvSpPr>
+          <p:nvPr>
+            <p:ph idx="1"/>
+          </p:nvPr>
+        </p:nvSpPr>
+        <p:spPr>
+          <a:xfrm>
+            <a:off x="838200" y="1624818"/>
+            <a:ext cx="10992729" cy="5233182"/>
+          </a:xfrm>
+        </p:spPr>
+        <p:txBody>
+          <a:bodyPr>
+            <a:normAutofit lnSpcReduction="10000"/>
+          </a:bodyPr>
+          <a:lstStyle/>
+          <a:p>
+            <a:r>
+              <a:rPr lang="en-US" dirty="0"/>
+              <a:t>Theory in a controlled environment</a:t>
+            </a:r>
+          </a:p>
+          <a:p>
+            <a:pPr lvl="1"/>
+            <a:r>
+              <a:rPr lang="en-US" dirty="0"/>
+              <a:t>TIP is 4500 SLOC of Scala</a:t>
+            </a:r>
+          </a:p>
+          <a:p>
+            <a:pPr lvl="1"/>
+            <a:r>
+              <a:rPr lang="en-US" dirty="0"/>
+              <a:t>Much of it you will not need to touch or even look at</a:t>
+            </a:r>
+          </a:p>
+          <a:p>
+            <a:pPr lvl="1"/>
+            <a:r>
+              <a:rPr lang="en-US" dirty="0"/>
+              <a:t>46 lines marked “</a:t>
+            </a:r>
+            <a:r>
+              <a:rPr lang="en-US" b="1" dirty="0">
+                <a:latin typeface="Courier" pitchFamily="2" charset="0"/>
+              </a:rPr>
+              <a:t>???</a:t>
+            </a:r>
+            <a:r>
+              <a:rPr lang="en-US" dirty="0">
+                <a:latin typeface="Courier" pitchFamily="2" charset="0"/>
+              </a:rPr>
+              <a:t> //&lt;--- Complete here</a:t>
+            </a:r>
+            <a:r>
+              <a:rPr lang="en-US" dirty="0"/>
+              <a:t>”</a:t>
+            </a:r>
+          </a:p>
+          <a:p>
+            <a:r>
+              <a:rPr lang="en-US" dirty="0"/>
+              <a:t>Practice in the wild</a:t>
+            </a:r>
+          </a:p>
+          <a:p>
+            <a:pPr lvl="1"/>
+            <a:r>
+              <a:rPr lang="en-US" dirty="0" err="1">
+                <a:latin typeface="Courier" pitchFamily="2" charset="0"/>
+              </a:rPr>
+              <a:t>tipcc</a:t>
+            </a:r>
+            <a:r>
+              <a:rPr lang="en-US" dirty="0">
+                <a:latin typeface="Courier" pitchFamily="2" charset="0"/>
+              </a:rPr>
+              <a:t> </a:t>
+            </a:r>
+            <a:r>
+              <a:rPr lang="en-US" dirty="0"/>
+              <a:t>is about 1000 SLOC of C++</a:t>
+            </a:r>
+          </a:p>
+          <a:p>
+            <a:pPr lvl="1"/>
+            <a:r>
+              <a:rPr lang="en-US" dirty="0"/>
+              <a:t>Makes heavy use of LLVM APIs and coding idioms (smart pointers)</a:t>
+            </a:r>
+          </a:p>
+          <a:p>
+            <a:pPr lvl="1"/>
+            <a:r>
+              <a:rPr lang="en-US" dirty="0"/>
+              <a:t>Uses ANTLR4 grammar and custom visitors for AST construction and code-gen</a:t>
+            </a:r>
+          </a:p>
+          <a:p>
+            <a:r>
+              <a:rPr lang="en-US" dirty="0"/>
+              <a:t>There is no TA</a:t>
+            </a:r>
+          </a:p>
+          <a:p>
+            <a:pPr lvl="1"/>
+            <a:r>
+              <a:rPr lang="en-US" dirty="0"/>
+              <a:t>I can be of some help, but not enough for all of you</a:t>
+            </a:r>
+          </a:p>
+          <a:p>
+            <a:pPr lvl="1"/>
+            <a:r>
+              <a:rPr lang="en-US" dirty="0"/>
+              <a:t>I don’t use IDEs, so I can’t help with that, but I hear they are great </a:t>
+            </a:r>
+            <a:endParaRPr lang="en-US" dirty="0">
+              <a:sym typeface="Wingdings" pitchFamily="2" charset="2"/>
+            </a:endParaRPr>
+          </a:p>
+          <a:p>
+            <a:pPr lvl="1"/>
+            <a:r>
+              <a:rPr lang="en-US" dirty="0">
+                <a:sym typeface="Wingdings" pitchFamily="2" charset="2"/>
+              </a:rPr>
+              <a:t>I can set up a forum on Collab for discussion of language and tooling issues if you would like to have a means of communicating with each other</a:t>
+            </a:r>
+            <a:endParaRPr lang="en-US" dirty="0"/>
+          </a:p>
+          <a:p>
+            <a:pPr marL="0" indent="0">
+              <a:buNone/>
+            </a:pPr>
+            <a:endParaRPr lang="en-US" dirty="0"/>
+          </a:p>
+        </p:txBody>
+      </p:sp>
+    </p:spTree>
+    <p:extLst>
+      <p:ext uri="{BB962C8B-B14F-4D97-AF65-F5344CB8AC3E}">
+        <p14:creationId xmlns:p14="http://schemas.microsoft.com/office/powerpoint/2010/main" val="3479057701"/>
       </p:ext>
     </p:extLst>
   </p:cSld>
@@ -9719,37 +10043,57 @@
           <a:p>
             <a:r>
               <a:rPr lang="en-US" dirty="0"/>
-              <a:t>in the 60s compilation was art</a:t>
+              <a:t>in the 1960s compilation was </a:t>
+            </a:r>
+            <a:r>
+              <a:rPr lang="en-US" i="1" dirty="0"/>
+              <a:t>art</a:t>
             </a:r>
           </a:p>
           <a:p>
             <a:r>
               <a:rPr lang="en-US" dirty="0"/>
-              <a:t>in the 70s compilation was studied by theoreticians</a:t>
-            </a:r>
-          </a:p>
-          <a:p>
+              <a:t>in the 1970s compilation was </a:t>
+            </a:r>
+            <a:r>
+              <a:rPr lang="en-US" i="1" dirty="0"/>
+              <a:t>theory</a:t>
+            </a:r>
             <a:r>
               <a:rPr lang="en-US" dirty="0"/>
-              <a:t>in the 80s compilation was studied as a software product line</a:t>
+              <a:t>, i.e., studied by theoreticians</a:t>
             </a:r>
           </a:p>
           <a:p>
             <a:r>
               <a:rPr lang="en-US" dirty="0"/>
-              <a:t>in the 90s compilation was supported by reusable programming frameworks</a:t>
-            </a:r>
-          </a:p>
-          <a:p>
+              <a:t>in the 1980s and 90s compilation was </a:t>
+            </a:r>
+            <a:r>
+              <a:rPr lang="en-US" i="1" dirty="0"/>
+              <a:t>engineering</a:t>
+            </a:r>
             <a:r>
               <a:rPr lang="en-US" dirty="0"/>
-              <a:t>in the 00s those frameworks became more powerful</a:t>
+              <a:t>, i.e., studied as a software product line, supported by reusable programming frameworks and DSLs</a:t>
             </a:r>
           </a:p>
           <a:p>
             <a:r>
               <a:rPr lang="en-US" dirty="0"/>
-              <a:t>it is one of the most mature software domains you will ever work in</a:t>
+              <a:t>in the 2000s those frameworks became more powerful</a:t>
+            </a:r>
+          </a:p>
+          <a:p>
+            <a:r>
+              <a:rPr lang="en-US" dirty="0"/>
+              <a:t>in the 2010s we finally figured out how to test them</a:t>
+            </a:r>
+          </a:p>
+          <a:p>
+            <a:r>
+              <a:rPr lang="en-US" dirty="0"/>
+              <a:t>it is one of the most mature software domains you will ever encounter</a:t>
             </a:r>
           </a:p>
         </p:txBody>

--- a/6620/slides/Introduction.pptx
+++ b/6620/slides/Introduction.pptx
@@ -276,7 +276,7 @@
           <a:p>
             <a:fld id="{7C17D75E-8F24-D747-B687-399B453A6C1A}" type="datetimeFigureOut">
               <a:rPr lang="en-US" smtClean="0"/>
-              <a:t>8/27/19</a:t>
+              <a:t>1/13/20</a:t>
             </a:fld>
             <a:endParaRPr lang="en-US"/>
           </a:p>
@@ -474,7 +474,7 @@
           <a:p>
             <a:fld id="{7C17D75E-8F24-D747-B687-399B453A6C1A}" type="datetimeFigureOut">
               <a:rPr lang="en-US" smtClean="0"/>
-              <a:t>8/27/19</a:t>
+              <a:t>1/13/20</a:t>
             </a:fld>
             <a:endParaRPr lang="en-US"/>
           </a:p>
@@ -682,7 +682,7 @@
           <a:p>
             <a:fld id="{7C17D75E-8F24-D747-B687-399B453A6C1A}" type="datetimeFigureOut">
               <a:rPr lang="en-US" smtClean="0"/>
-              <a:t>8/27/19</a:t>
+              <a:t>1/13/20</a:t>
             </a:fld>
             <a:endParaRPr lang="en-US"/>
           </a:p>
@@ -880,7 +880,7 @@
           <a:p>
             <a:fld id="{7C17D75E-8F24-D747-B687-399B453A6C1A}" type="datetimeFigureOut">
               <a:rPr lang="en-US" smtClean="0"/>
-              <a:t>8/27/19</a:t>
+              <a:t>1/13/20</a:t>
             </a:fld>
             <a:endParaRPr lang="en-US"/>
           </a:p>
@@ -1155,7 +1155,7 @@
           <a:p>
             <a:fld id="{7C17D75E-8F24-D747-B687-399B453A6C1A}" type="datetimeFigureOut">
               <a:rPr lang="en-US" smtClean="0"/>
-              <a:t>8/27/19</a:t>
+              <a:t>1/13/20</a:t>
             </a:fld>
             <a:endParaRPr lang="en-US"/>
           </a:p>
@@ -1420,7 +1420,7 @@
           <a:p>
             <a:fld id="{7C17D75E-8F24-D747-B687-399B453A6C1A}" type="datetimeFigureOut">
               <a:rPr lang="en-US" smtClean="0"/>
-              <a:t>8/27/19</a:t>
+              <a:t>1/13/20</a:t>
             </a:fld>
             <a:endParaRPr lang="en-US"/>
           </a:p>
@@ -1832,7 +1832,7 @@
           <a:p>
             <a:fld id="{7C17D75E-8F24-D747-B687-399B453A6C1A}" type="datetimeFigureOut">
               <a:rPr lang="en-US" smtClean="0"/>
-              <a:t>8/27/19</a:t>
+              <a:t>1/13/20</a:t>
             </a:fld>
             <a:endParaRPr lang="en-US"/>
           </a:p>
@@ -1973,7 +1973,7 @@
           <a:p>
             <a:fld id="{7C17D75E-8F24-D747-B687-399B453A6C1A}" type="datetimeFigureOut">
               <a:rPr lang="en-US" smtClean="0"/>
-              <a:t>8/27/19</a:t>
+              <a:t>1/13/20</a:t>
             </a:fld>
             <a:endParaRPr lang="en-US"/>
           </a:p>
@@ -2086,7 +2086,7 @@
           <a:p>
             <a:fld id="{7C17D75E-8F24-D747-B687-399B453A6C1A}" type="datetimeFigureOut">
               <a:rPr lang="en-US" smtClean="0"/>
-              <a:t>8/27/19</a:t>
+              <a:t>1/13/20</a:t>
             </a:fld>
             <a:endParaRPr lang="en-US"/>
           </a:p>
@@ -2397,7 +2397,7 @@
           <a:p>
             <a:fld id="{7C17D75E-8F24-D747-B687-399B453A6C1A}" type="datetimeFigureOut">
               <a:rPr lang="en-US" smtClean="0"/>
-              <a:t>8/27/19</a:t>
+              <a:t>1/13/20</a:t>
             </a:fld>
             <a:endParaRPr lang="en-US"/>
           </a:p>
@@ -2685,7 +2685,7 @@
           <a:p>
             <a:fld id="{7C17D75E-8F24-D747-B687-399B453A6C1A}" type="datetimeFigureOut">
               <a:rPr lang="en-US" smtClean="0"/>
-              <a:t>8/27/19</a:t>
+              <a:t>1/13/20</a:t>
             </a:fld>
             <a:endParaRPr lang="en-US"/>
           </a:p>
@@ -2926,7 +2926,7 @@
           <a:p>
             <a:fld id="{7C17D75E-8F24-D747-B687-399B453A6C1A}" type="datetimeFigureOut">
               <a:rPr lang="en-US" smtClean="0"/>
-              <a:t>8/27/19</a:t>
+              <a:t>1/13/20</a:t>
             </a:fld>
             <a:endParaRPr lang="en-US"/>
           </a:p>
@@ -3394,7 +3394,7 @@
           <a:p>
             <a:r>
               <a:rPr lang="en-US" dirty="0"/>
-              <a:t>The graduate version - Fall 2019</a:t>
+              <a:t>The graduate version - Spring 2020</a:t>
             </a:r>
           </a:p>
         </p:txBody>
@@ -9426,7 +9426,7 @@
         </p:spPr>
         <p:txBody>
           <a:bodyPr>
-            <a:normAutofit lnSpcReduction="10000"/>
+            <a:normAutofit/>
           </a:bodyPr>
           <a:lstStyle/>
           <a:p>
@@ -9461,10 +9461,10 @@
           <a:p>
             <a:pPr lvl="1"/>
             <a:r>
-              <a:rPr lang="en-US" dirty="0" err="1">
+              <a:rPr lang="en-US">
                 <a:latin typeface="Courier" pitchFamily="2" charset="0"/>
               </a:rPr>
-              <a:t>tipcc</a:t>
+              <a:t>tipc</a:t>
             </a:r>
             <a:r>
               <a:rPr lang="en-US" dirty="0">
@@ -9495,14 +9495,7 @@
           <a:p>
             <a:r>
               <a:rPr lang="en-US" dirty="0"/>
-              <a:t>Papers and prompts to drive your exploration and learning</a:t>
-            </a:r>
-          </a:p>
-          <a:p>
-            <a:pPr lvl="1"/>
-            <a:r>
-              <a:rPr lang="en-US" dirty="0"/>
-              <a:t>Research papers on optimization/testing of LLVM</a:t>
+              <a:t>Prompts to drive your exploration and learning</a:t>
             </a:r>
           </a:p>
           <a:p>
@@ -9596,7 +9589,7 @@
         </p:spPr>
         <p:txBody>
           <a:bodyPr>
-            <a:normAutofit lnSpcReduction="10000"/>
+            <a:normAutofit/>
           </a:bodyPr>
           <a:lstStyle/>
           <a:p>
@@ -9654,7 +9647,7 @@
               <a:rPr lang="en-US" dirty="0" err="1">
                 <a:latin typeface="Courier" pitchFamily="2" charset="0"/>
               </a:rPr>
-              <a:t>tipcc</a:t>
+              <a:t>tipc</a:t>
             </a:r>
             <a:r>
               <a:rPr lang="en-US" dirty="0">
@@ -9691,7 +9684,15 @@
             <a:pPr lvl="1"/>
             <a:r>
               <a:rPr lang="en-US" dirty="0"/>
-              <a:t>I can be of some help, but not enough for all of you</a:t>
+              <a:t>I can be of help for many issues (I implemented </a:t>
+            </a:r>
+            <a:r>
+              <a:rPr lang="en-US" dirty="0" err="1"/>
+              <a:t>tipc</a:t>
+            </a:r>
+            <a:r>
+              <a:rPr lang="en-US" dirty="0"/>
+              <a:t>)</a:t>
             </a:r>
           </a:p>
           <a:p>
@@ -9703,16 +9704,6 @@
             <a:endParaRPr lang="en-US" dirty="0">
               <a:sym typeface="Wingdings" pitchFamily="2" charset="2"/>
             </a:endParaRPr>
-          </a:p>
-          <a:p>
-            <a:pPr lvl="1"/>
-            <a:r>
-              <a:rPr lang="en-US" dirty="0">
-                <a:sym typeface="Wingdings" pitchFamily="2" charset="2"/>
-              </a:rPr>
-              <a:t>I can set up a forum on Collab for discussion of language and tooling issues if you would like to have a means of communicating with each other</a:t>
-            </a:r>
-            <a:endParaRPr lang="en-US" dirty="0"/>
           </a:p>
           <a:p>
             <a:pPr marL="0" indent="0">
